--- a/PR2022-23_vmesna_17.pptx
+++ b/PR2022-23_vmesna_17.pptx
@@ -16060,10 +16060,10 @@
               <a:buNone/>
             </a:pPr>
             <a:r>
-              <a:rPr lang="sl"/>
+              <a:rPr lang="sl" dirty="0"/>
               <a:t>Preiskovanje povezav med različno glasbo</a:t>
             </a:r>
-            <a:endParaRPr/>
+            <a:endParaRPr dirty="0"/>
           </a:p>
         </p:txBody>
       </p:sp>
@@ -16119,10 +16119,10 @@
               <a:buNone/>
             </a:pPr>
             <a:r>
-              <a:rPr lang="sl" sz="1600" b="1"/>
+              <a:rPr lang="sl" sz="1600" b="1" dirty="0"/>
               <a:t>Podatki</a:t>
             </a:r>
-            <a:endParaRPr sz="1600" b="1"/>
+            <a:endParaRPr sz="1600" b="1" dirty="0"/>
           </a:p>
           <a:p>
             <a:pPr marL="171450" lvl="0" indent="-171450" algn="l" rtl="0">
@@ -16143,15 +16143,15 @@
               <a:buChar char="-"/>
             </a:pPr>
             <a:r>
-              <a:rPr lang="sl" sz="1600"/>
+              <a:rPr lang="sl" sz="1600" dirty="0"/>
               <a:t>Mendeley Data </a:t>
             </a:r>
             <a:r>
-              <a:rPr lang="sl" sz="1200"/>
+              <a:rPr lang="sl" sz="1200" dirty="0"/>
               <a:t>( </a:t>
             </a:r>
             <a:r>
-              <a:rPr lang="sl" sz="1200" u="sng">
+              <a:rPr lang="sl" sz="1200" u="sng" dirty="0">
                 <a:solidFill>
                   <a:schemeClr val="hlink"/>
                 </a:solidFill>
@@ -16160,10 +16160,10 @@
               <a:t>https://data.mendeley.com/v1/datasets/compare/3t9vbwxgr5/2/3</a:t>
             </a:r>
             <a:r>
-              <a:rPr lang="sl" sz="1200"/>
+              <a:rPr lang="sl" sz="1200" dirty="0"/>
               <a:t> )</a:t>
             </a:r>
-            <a:endParaRPr sz="2000"/>
+            <a:endParaRPr sz="2000" dirty="0"/>
           </a:p>
           <a:p>
             <a:pPr marL="171450" lvl="0" indent="-171450" algn="l" rtl="0">
@@ -16184,10 +16184,10 @@
               <a:buChar char="-"/>
             </a:pPr>
             <a:r>
-              <a:rPr lang="sl" sz="1600"/>
+              <a:rPr lang="sl" sz="1600" dirty="0"/>
               <a:t>Časovna analiza in vizualizacija glasbe (Univerza Federal do Ceará, Brazilija)</a:t>
             </a:r>
-            <a:endParaRPr sz="1600"/>
+            <a:endParaRPr sz="1600" dirty="0"/>
           </a:p>
           <a:p>
             <a:pPr marL="171450" lvl="0" indent="-171450" algn="l" rtl="0">
@@ -16208,10 +16208,10 @@
               <a:buChar char="-"/>
             </a:pPr>
             <a:r>
-              <a:rPr lang="sl" sz="1600"/>
+              <a:rPr lang="sl" sz="1600" dirty="0"/>
               <a:t>meritve (Spotipy in Echo Nest), 28373 podatkov z 30 atributi</a:t>
             </a:r>
-            <a:endParaRPr sz="1600"/>
+            <a:endParaRPr sz="1600" dirty="0"/>
           </a:p>
           <a:p>
             <a:pPr marL="171450" lvl="0" indent="-171450" algn="l" rtl="0">
@@ -16232,10 +16232,10 @@
               <a:buChar char="-"/>
             </a:pPr>
             <a:r>
-              <a:rPr lang="sl" sz="1600"/>
+              <a:rPr lang="sl" sz="1600" dirty="0"/>
               <a:t>tuji zapisi, kot so Indijske in Kitajske pismenke</a:t>
             </a:r>
-            <a:endParaRPr/>
+            <a:endParaRPr dirty="0"/>
           </a:p>
           <a:p>
             <a:pPr marL="101600" lvl="0" indent="0" algn="l" rtl="0">
@@ -16255,7 +16255,7 @@
               <a:buFont typeface="Calibri"/>
               <a:buNone/>
             </a:pPr>
-            <a:endParaRPr sz="1600"/>
+            <a:endParaRPr sz="1600" dirty="0"/>
           </a:p>
           <a:p>
             <a:pPr marL="101600" lvl="0" indent="0" algn="l" rtl="0">
@@ -16275,7 +16275,7 @@
               <a:buFont typeface="Calibri"/>
               <a:buNone/>
             </a:pPr>
-            <a:endParaRPr sz="1600"/>
+            <a:endParaRPr sz="1600" dirty="0"/>
           </a:p>
           <a:p>
             <a:pPr marL="101600" lvl="0" indent="0" algn="l" rtl="0">
@@ -16295,7 +16295,7 @@
               <a:buFont typeface="Calibri"/>
               <a:buNone/>
             </a:pPr>
-            <a:endParaRPr sz="1600"/>
+            <a:endParaRPr sz="1600" dirty="0"/>
           </a:p>
           <a:p>
             <a:pPr marL="171450" lvl="0" indent="-69850" algn="l" rtl="0">
@@ -16315,7 +16315,7 @@
               <a:buFont typeface="Calibri"/>
               <a:buNone/>
             </a:pPr>
-            <a:endParaRPr sz="1600"/>
+            <a:endParaRPr sz="1600" dirty="0"/>
           </a:p>
           <a:p>
             <a:pPr marL="0" lvl="0" indent="0" algn="l" rtl="0">
@@ -16335,7 +16335,7 @@
               <a:buFont typeface="Calibri"/>
               <a:buNone/>
             </a:pPr>
-            <a:endParaRPr sz="1600"/>
+            <a:endParaRPr sz="1600" dirty="0"/>
           </a:p>
           <a:p>
             <a:pPr marL="0" lvl="0" indent="0" algn="l" rtl="0">
@@ -16355,10 +16355,10 @@
               <a:buNone/>
             </a:pPr>
             <a:r>
-              <a:rPr lang="sl" sz="1600" b="1"/>
+              <a:rPr lang="sl" sz="1600" b="1" dirty="0"/>
               <a:t>Glavna vprašanja/cilji podatkovnega rudarjenja</a:t>
             </a:r>
-            <a:endParaRPr sz="1600" b="1"/>
+            <a:endParaRPr sz="1600" b="1" dirty="0"/>
           </a:p>
           <a:p>
             <a:pPr marL="171450" lvl="0" indent="-171450" algn="l" rtl="0">
@@ -16379,10 +16379,10 @@
               <a:buChar char="-"/>
             </a:pPr>
             <a:r>
-              <a:rPr lang="sl" sz="1600"/>
+              <a:rPr lang="sl" sz="1600" dirty="0"/>
               <a:t>Analiza trendov izdajanja nove glasbe</a:t>
             </a:r>
-            <a:endParaRPr/>
+            <a:endParaRPr dirty="0"/>
           </a:p>
           <a:p>
             <a:pPr marL="171450" lvl="0" indent="-171450" algn="l" rtl="0">
@@ -16403,10 +16403,10 @@
               <a:buChar char="-"/>
             </a:pPr>
             <a:r>
-              <a:rPr lang="sl" sz="1600"/>
+              <a:rPr lang="sl" sz="1600" dirty="0"/>
               <a:t>Analiza lastnosti glasbe skozi čas</a:t>
             </a:r>
-            <a:endParaRPr/>
+            <a:endParaRPr dirty="0"/>
           </a:p>
           <a:p>
             <a:pPr marL="171450" lvl="0" indent="-171450" algn="l" rtl="0">
@@ -16427,10 +16427,10 @@
               <a:buChar char="-"/>
             </a:pPr>
             <a:r>
-              <a:rPr lang="sl" sz="1600"/>
+              <a:rPr lang="sl" sz="1600" dirty="0"/>
               <a:t>Priporočilni sistem na podlagi lastnosti glasbe</a:t>
             </a:r>
-            <a:endParaRPr sz="1600"/>
+            <a:endParaRPr sz="1600" dirty="0"/>
           </a:p>
         </p:txBody>
       </p:sp>
@@ -16486,10 +16486,10 @@
               <a:buNone/>
             </a:pPr>
             <a:r>
-              <a:rPr lang="sl"/>
+              <a:rPr lang="sl" dirty="0"/>
               <a:t>Luka Hrvatin,</a:t>
             </a:r>
-            <a:endParaRPr/>
+            <a:endParaRPr dirty="0"/>
           </a:p>
           <a:p>
             <a:pPr marL="0" lvl="0" indent="0" algn="l" rtl="0">
@@ -16509,10 +16509,10 @@
               <a:buNone/>
             </a:pPr>
             <a:r>
-              <a:rPr lang="sl"/>
+              <a:rPr lang="sl" dirty="0"/>
               <a:t>Žan Juvan</a:t>
             </a:r>
-            <a:endParaRPr/>
+            <a:endParaRPr dirty="0"/>
           </a:p>
           <a:p>
             <a:pPr marL="0" lvl="0" indent="0" algn="l" rtl="0">
@@ -16531,7 +16531,7 @@
               <a:buSzPts val="1200"/>
               <a:buNone/>
             </a:pPr>
-            <a:endParaRPr/>
+            <a:endParaRPr dirty="0"/>
           </a:p>
         </p:txBody>
       </p:sp>
@@ -16669,7 +16669,7 @@
               <a:rPr lang="sl"/>
               <a:t>1</a:t>
             </a:fld>
-            <a:endParaRPr/>
+            <a:endParaRPr dirty="0"/>
           </a:p>
         </p:txBody>
       </p:sp>
@@ -16678,6 +16678,14 @@
   <p:clrMapOvr>
     <a:masterClrMapping/>
   </p:clrMapOvr>
+  <mc:AlternateContent xmlns:mc="http://schemas.openxmlformats.org/markup-compatibility/2006">
+    <mc:Choice xmlns:p14="http://schemas.microsoft.com/office/powerpoint/2010/main" Requires="p14">
+      <p:transition spd="slow" p14:dur="2000" advTm="4153"/>
+    </mc:Choice>
+    <mc:Fallback>
+      <p:transition spd="slow" advTm="4153"/>
+    </mc:Fallback>
+  </mc:AlternateContent>
 </p:sld>
 </file>
 
@@ -16744,7 +16752,15 @@
             </a:pPr>
             <a:r>
               <a:rPr lang="sl" sz="1600" dirty="0"/>
-              <a:t>-Na hipoteze da se je s časom izdajalo vedno več glasbe, da je vedno </a:t>
+              <a:t>-Na hipoteze da se je s časom </a:t>
+            </a:r>
+            <a:r>
+              <a:rPr lang="sl" sz="1600" b="1" dirty="0"/>
+              <a:t>izdajalo vedno več </a:t>
+            </a:r>
+            <a:r>
+              <a:rPr lang="sl" sz="1600" dirty="0"/>
+              <a:t>glasbe, da je vedno </a:t>
             </a:r>
             <a:r>
               <a:rPr lang="sl" sz="1600" b="1" dirty="0"/>
@@ -17006,8 +17022,12 @@
       <p:sp>
         <p:nvSpPr>
           <p:cNvPr id="142" name="Google Shape;142;p26"/>
-          <p:cNvSpPr txBox="1"/>
-          <p:nvPr/>
+          <p:cNvSpPr txBox="1">
+            <a:spLocks noGrp="1"/>
+          </p:cNvSpPr>
+          <p:nvPr>
+            <p:ph type="title" idx="4294967295"/>
+          </p:nvPr>
         </p:nvSpPr>
         <p:spPr>
           <a:xfrm>
@@ -17020,15 +17040,20 @@
           <a:noFill/>
           <a:ln>
             <a:noFill/>
+            <a:prstDash/>
           </a:ln>
+          <a:effectLst/>
         </p:spPr>
         <p:txBody>
-          <a:bodyPr spcFirstLastPara="1" wrap="square" lIns="91425" tIns="45700" rIns="91425" bIns="45700" anchor="t" anchorCtr="0">
+          <a:bodyPr rot="0" spcFirstLastPara="1" vertOverflow="overflow" horzOverflow="overflow" vert="horz" wrap="square" lIns="91425" tIns="45700" rIns="91425" bIns="45700" numCol="1" spcCol="0" rtlCol="0" fromWordArt="0" anchor="t" anchorCtr="0" forceAA="0" compatLnSpc="1">
+            <a:prstTxWarp prst="textNoShape">
+              <a:avLst/>
+            </a:prstTxWarp>
             <a:normAutofit/>
           </a:bodyPr>
           <a:lstStyle/>
           <a:p>
-            <a:pPr marL="0" marR="0" lvl="0" indent="0" algn="l" rtl="0">
+            <a:pPr marL="0" marR="0" lvl="0" indent="0" algn="l" defTabSz="914400" rtl="0" eaLnBrk="1" fontAlgn="auto" latinLnBrk="0" hangingPunct="1">
               <a:lnSpc>
                 <a:spcPct val="90000"/>
               </a:lnSpc>
@@ -17044,12 +17069,20 @@
               <a:buSzPts val="1600"/>
               <a:buFont typeface="Arial"/>
               <a:buNone/>
+              <a:tabLst/>
+              <a:defRPr/>
             </a:pPr>
             <a:r>
-              <a:rPr lang="sl" sz="1600" b="1" i="0" u="none" strike="noStrike" cap="none">
+              <a:rPr kumimoji="0" lang="sv-SE" sz="1600" b="1" i="0" u="none" strike="noStrike" kern="0" cap="none" spc="0" normalizeH="0" baseline="0" noProof="0" dirty="0">
+                <a:ln>
+                  <a:noFill/>
+                </a:ln>
                 <a:solidFill>
                   <a:schemeClr val="dk1"/>
                 </a:solidFill>
+                <a:effectLst/>
+                <a:uLnTx/>
+                <a:uFillTx/>
                 <a:latin typeface="Calibri"/>
                 <a:ea typeface="Calibri"/>
                 <a:cs typeface="Calibri"/>
@@ -17057,15 +17090,6 @@
               </a:rPr>
               <a:t>Podroben opis ciljev in metod</a:t>
             </a:r>
-            <a:endParaRPr sz="1600" b="1" i="0" u="none" strike="noStrike" cap="none">
-              <a:solidFill>
-                <a:schemeClr val="dk1"/>
-              </a:solidFill>
-              <a:latin typeface="Calibri"/>
-              <a:ea typeface="Calibri"/>
-              <a:cs typeface="Calibri"/>
-              <a:sym typeface="Calibri"/>
-            </a:endParaRPr>
           </a:p>
         </p:txBody>
       </p:sp>
@@ -17299,7 +17323,7 @@
               <a:buNone/>
             </a:pPr>
             <a:r>
-              <a:rPr lang="sl" sz="1600" b="1">
+              <a:rPr lang="sl" sz="1600" b="1" dirty="0">
                 <a:latin typeface="Calibri"/>
                 <a:ea typeface="Calibri"/>
                 <a:cs typeface="Calibri"/>
@@ -17307,7 +17331,7 @@
               </a:rPr>
               <a:t>Dodatna prosojnica za rezultate oz. odprta vprašanja (če potrebno)</a:t>
             </a:r>
-            <a:endParaRPr/>
+            <a:endParaRPr dirty="0"/>
           </a:p>
         </p:txBody>
       </p:sp>
